--- a/Dark Powder Blue.pptx
+++ b/Dark Powder Blue.pptx
@@ -213,7 +213,7 @@
           <a:p>
             <a:fld id="{4BFE145F-C6F0-452B-9CF7-C100BE1F2A06}" type="datetimeFigureOut">
               <a:rPr lang="en-US" smtClean="0"/>
-              <a:t>10/27/2014</a:t>
+              <a:t>27-Oct-14</a:t>
             </a:fld>
             <a:endParaRPr lang="en-US"/>
           </a:p>
@@ -570,7 +570,7 @@
             <a:fld id="{81331B57-0BE5-4F82-AA58-76F53EFF3ADA}" type="datetime8">
               <a:rPr lang="en-US" smtClean="0"/>
               <a:pPr/>
-              <a:t>10/27/2014 10:19 PM</a:t>
+              <a:t>27-Oct-14 11:38 PM</a:t>
             </a:fld>
             <a:endParaRPr lang="en-US" dirty="0"/>
           </a:p>
@@ -3857,8 +3857,8 @@
         </p:nvSpPr>
         <p:spPr>
           <a:xfrm>
-            <a:off x="456867" y="541905"/>
-            <a:ext cx="5256584" cy="864096"/>
+            <a:off x="2159732" y="591969"/>
+            <a:ext cx="4752528" cy="864096"/>
           </a:xfrm>
         </p:spPr>
         <p:txBody>
@@ -3881,8 +3881,8 @@
         </p:nvSpPr>
         <p:spPr>
           <a:xfrm>
-            <a:off x="2195736" y="1406001"/>
-            <a:ext cx="2257575" cy="707886"/>
+            <a:off x="3479215" y="1916832"/>
+            <a:ext cx="2113559" cy="707886"/>
           </a:xfrm>
           <a:prstGeom prst="rect">
             <a:avLst/>
@@ -3897,13 +3897,9 @@
           <a:p>
             <a:r>
               <a:rPr lang="en-US" sz="4000" dirty="0" smtClean="0"/>
-              <a:t>Presents</a:t>
-            </a:r>
-            <a:r>
-              <a:rPr lang="en-US" dirty="0" smtClean="0"/>
-              <a:t>:</a:t>
-            </a:r>
-            <a:endParaRPr lang="bg-BG" dirty="0"/>
+              <a:t>Presents:</a:t>
+            </a:r>
+            <a:endParaRPr lang="bg-BG" sz="4000" dirty="0"/>
           </a:p>
         </p:txBody>
       </p:sp>
@@ -3915,8 +3911,8 @@
         </p:nvSpPr>
         <p:spPr>
           <a:xfrm>
-            <a:off x="1043608" y="3140968"/>
-            <a:ext cx="7080125" cy="1107996"/>
+            <a:off x="1763687" y="2996952"/>
+            <a:ext cx="5544616" cy="1107996"/>
           </a:xfrm>
           <a:prstGeom prst="rect">
             <a:avLst/>
@@ -4719,7 +4715,12 @@
             <p:ph type="body" sz="quarter" idx="10"/>
           </p:nvPr>
         </p:nvSpPr>
-        <p:spPr/>
+        <p:spPr>
+          <a:xfrm>
+            <a:off x="2051720" y="2348880"/>
+            <a:ext cx="5146095" cy="1384994"/>
+          </a:xfrm>
+        </p:spPr>
         <p:txBody>
           <a:bodyPr/>
           <a:lstStyle/>

--- a/Dark Powder Blue.pptx
+++ b/Dark Powder Blue.pptx
@@ -213,7 +213,7 @@
           <a:p>
             <a:fld id="{4BFE145F-C6F0-452B-9CF7-C100BE1F2A06}" type="datetimeFigureOut">
               <a:rPr lang="en-US" smtClean="0"/>
-              <a:t>27-Oct-14</a:t>
+              <a:t>10/27/2014</a:t>
             </a:fld>
             <a:endParaRPr lang="en-US"/>
           </a:p>
@@ -570,7 +570,7 @@
             <a:fld id="{81331B57-0BE5-4F82-AA58-76F53EFF3ADA}" type="datetime8">
               <a:rPr lang="en-US" smtClean="0"/>
               <a:pPr/>
-              <a:t>27-Oct-14 11:38 PM</a:t>
+              <a:t>10/27/2014 11:47 PM</a:t>
             </a:fld>
             <a:endParaRPr lang="en-US" dirty="0"/>
           </a:p>
@@ -3911,8 +3911,8 @@
         </p:nvSpPr>
         <p:spPr>
           <a:xfrm>
-            <a:off x="1763687" y="2996952"/>
-            <a:ext cx="5544616" cy="1107996"/>
+            <a:off x="1115616" y="3356992"/>
+            <a:ext cx="7128794" cy="1107996"/>
           </a:xfrm>
           <a:prstGeom prst="rect">
             <a:avLst/>
@@ -4306,7 +4306,7 @@
         <p:spPr>
           <a:xfrm>
             <a:off x="5964404" y="4437112"/>
-            <a:ext cx="2289216" cy="738664"/>
+            <a:ext cx="2416815" cy="738664"/>
           </a:xfrm>
           <a:prstGeom prst="rect">
             <a:avLst/>
@@ -4320,11 +4320,11 @@
           <a:lstStyle/>
           <a:p>
             <a:r>
-              <a:rPr lang="en-US" sz="2400" dirty="0" err="1"/>
-              <a:t>Lubomir</a:t>
-            </a:r>
-            <a:r>
-              <a:rPr lang="en-US" sz="2400" dirty="0"/>
+              <a:rPr lang="en-US" sz="2400" dirty="0" err="1" smtClean="0"/>
+              <a:t>Lyubomir</a:t>
+            </a:r>
+            <a:r>
+              <a:rPr lang="en-US" sz="2400" dirty="0" smtClean="0"/>
               <a:t> </a:t>
             </a:r>
             <a:r>
